--- a/Report/Figures.pptx
+++ b/Report/Figures.pptx
@@ -12,6 +12,7 @@
     <p:sldId id="260" r:id="rId6"/>
     <p:sldId id="261" r:id="rId7"/>
     <p:sldId id="262" r:id="rId8"/>
+    <p:sldId id="263" r:id="rId9"/>
   </p:sldIdLst>
   <p:sldSz cx="12192000" cy="6858000"/>
   <p:notesSz cx="6858000" cy="9144000"/>
@@ -265,7 +266,7 @@
           <a:p>
             <a:fld id="{B090B35B-0B50-4527-8D98-BAD6D045D531}" type="datetimeFigureOut">
               <a:rPr lang="en-US" smtClean="0"/>
-              <a:t>4/1/2019</a:t>
+              <a:t>4/22/2019</a:t>
             </a:fld>
             <a:endParaRPr lang="en-US"/>
           </a:p>
@@ -463,7 +464,7 @@
           <a:p>
             <a:fld id="{B090B35B-0B50-4527-8D98-BAD6D045D531}" type="datetimeFigureOut">
               <a:rPr lang="en-US" smtClean="0"/>
-              <a:t>4/1/2019</a:t>
+              <a:t>4/22/2019</a:t>
             </a:fld>
             <a:endParaRPr lang="en-US"/>
           </a:p>
@@ -671,7 +672,7 @@
           <a:p>
             <a:fld id="{B090B35B-0B50-4527-8D98-BAD6D045D531}" type="datetimeFigureOut">
               <a:rPr lang="en-US" smtClean="0"/>
-              <a:t>4/1/2019</a:t>
+              <a:t>4/22/2019</a:t>
             </a:fld>
             <a:endParaRPr lang="en-US"/>
           </a:p>
@@ -869,7 +870,7 @@
           <a:p>
             <a:fld id="{B090B35B-0B50-4527-8D98-BAD6D045D531}" type="datetimeFigureOut">
               <a:rPr lang="en-US" smtClean="0"/>
-              <a:t>4/1/2019</a:t>
+              <a:t>4/22/2019</a:t>
             </a:fld>
             <a:endParaRPr lang="en-US"/>
           </a:p>
@@ -1144,7 +1145,7 @@
           <a:p>
             <a:fld id="{B090B35B-0B50-4527-8D98-BAD6D045D531}" type="datetimeFigureOut">
               <a:rPr lang="en-US" smtClean="0"/>
-              <a:t>4/1/2019</a:t>
+              <a:t>4/22/2019</a:t>
             </a:fld>
             <a:endParaRPr lang="en-US"/>
           </a:p>
@@ -1409,7 +1410,7 @@
           <a:p>
             <a:fld id="{B090B35B-0B50-4527-8D98-BAD6D045D531}" type="datetimeFigureOut">
               <a:rPr lang="en-US" smtClean="0"/>
-              <a:t>4/1/2019</a:t>
+              <a:t>4/22/2019</a:t>
             </a:fld>
             <a:endParaRPr lang="en-US"/>
           </a:p>
@@ -1821,7 +1822,7 @@
           <a:p>
             <a:fld id="{B090B35B-0B50-4527-8D98-BAD6D045D531}" type="datetimeFigureOut">
               <a:rPr lang="en-US" smtClean="0"/>
-              <a:t>4/1/2019</a:t>
+              <a:t>4/22/2019</a:t>
             </a:fld>
             <a:endParaRPr lang="en-US"/>
           </a:p>
@@ -1962,7 +1963,7 @@
           <a:p>
             <a:fld id="{B090B35B-0B50-4527-8D98-BAD6D045D531}" type="datetimeFigureOut">
               <a:rPr lang="en-US" smtClean="0"/>
-              <a:t>4/1/2019</a:t>
+              <a:t>4/22/2019</a:t>
             </a:fld>
             <a:endParaRPr lang="en-US"/>
           </a:p>
@@ -2075,7 +2076,7 @@
           <a:p>
             <a:fld id="{B090B35B-0B50-4527-8D98-BAD6D045D531}" type="datetimeFigureOut">
               <a:rPr lang="en-US" smtClean="0"/>
-              <a:t>4/1/2019</a:t>
+              <a:t>4/22/2019</a:t>
             </a:fld>
             <a:endParaRPr lang="en-US"/>
           </a:p>
@@ -2386,7 +2387,7 @@
           <a:p>
             <a:fld id="{B090B35B-0B50-4527-8D98-BAD6D045D531}" type="datetimeFigureOut">
               <a:rPr lang="en-US" smtClean="0"/>
-              <a:t>4/1/2019</a:t>
+              <a:t>4/22/2019</a:t>
             </a:fld>
             <a:endParaRPr lang="en-US"/>
           </a:p>
@@ -2674,7 +2675,7 @@
           <a:p>
             <a:fld id="{B090B35B-0B50-4527-8D98-BAD6D045D531}" type="datetimeFigureOut">
               <a:rPr lang="en-US" smtClean="0"/>
-              <a:t>4/1/2019</a:t>
+              <a:t>4/22/2019</a:t>
             </a:fld>
             <a:endParaRPr lang="en-US"/>
           </a:p>
@@ -2915,7 +2916,7 @@
           <a:p>
             <a:fld id="{B090B35B-0B50-4527-8D98-BAD6D045D531}" type="datetimeFigureOut">
               <a:rPr lang="en-US" smtClean="0"/>
-              <a:t>4/1/2019</a:t>
+              <a:t>4/22/2019</a:t>
             </a:fld>
             <a:endParaRPr lang="en-US"/>
           </a:p>
@@ -8435,6 +8436,1839 @@
 </p:sld>
 </file>
 
+<file path=ppt/slides/slide8.xml><?xml version="1.0" encoding="utf-8"?>
+<p:sld xmlns:a="http://schemas.openxmlformats.org/drawingml/2006/main" xmlns:r="http://schemas.openxmlformats.org/officeDocument/2006/relationships" xmlns:p="http://schemas.openxmlformats.org/presentationml/2006/main">
+  <p:cSld>
+    <p:spTree>
+      <p:nvGrpSpPr>
+        <p:cNvPr id="1" name=""/>
+        <p:cNvGrpSpPr/>
+        <p:nvPr/>
+      </p:nvGrpSpPr>
+      <p:grpSpPr>
+        <a:xfrm>
+          <a:off x="0" y="0"/>
+          <a:ext cx="0" cy="0"/>
+          <a:chOff x="0" y="0"/>
+          <a:chExt cx="0" cy="0"/>
+        </a:xfrm>
+      </p:grpSpPr>
+      <p:graphicFrame>
+        <p:nvGraphicFramePr>
+          <p:cNvPr id="2" name="Table 1">
+            <a:extLst>
+              <a:ext uri="{FF2B5EF4-FFF2-40B4-BE49-F238E27FC236}">
+                <a16:creationId xmlns:a16="http://schemas.microsoft.com/office/drawing/2014/main" id="{8A54AA92-B118-46C7-9BCF-47CEF35696B1}"/>
+              </a:ext>
+            </a:extLst>
+          </p:cNvPr>
+          <p:cNvGraphicFramePr>
+            <a:graphicFrameLocks noGrp="1"/>
+          </p:cNvGraphicFramePr>
+          <p:nvPr>
+            <p:extLst>
+              <p:ext uri="{D42A27DB-BD31-4B8C-83A1-F6EECF244321}">
+                <p14:modId xmlns:p14="http://schemas.microsoft.com/office/powerpoint/2010/main" val="663416690"/>
+              </p:ext>
+            </p:extLst>
+          </p:nvPr>
+        </p:nvGraphicFramePr>
+        <p:xfrm>
+          <a:off x="2432049" y="716280"/>
+          <a:ext cx="2009775" cy="2712720"/>
+        </p:xfrm>
+        <a:graphic>
+          <a:graphicData uri="http://schemas.openxmlformats.org/drawingml/2006/table">
+            <a:tbl>
+              <a:tblPr firstRow="1" bandRow="1">
+                <a:tableStyleId>{5940675A-B579-460E-94D1-54222C63F5DA}</a:tableStyleId>
+              </a:tblPr>
+              <a:tblGrid>
+                <a:gridCol w="2009775">
+                  <a:extLst>
+                    <a:ext uri="{9D8B030D-6E8A-4147-A177-3AD203B41FA5}">
+                      <a16:colId xmlns:a16="http://schemas.microsoft.com/office/drawing/2014/main" val="870813463"/>
+                    </a:ext>
+                  </a:extLst>
+                </a:gridCol>
+              </a:tblGrid>
+              <a:tr h="318863">
+                <a:tc>
+                  <a:txBody>
+                    <a:bodyPr/>
+                    <a:lstStyle/>
+                    <a:p>
+                      <a:r>
+                        <a:rPr lang="en-US" sz="1600" b="1" u="sng" dirty="0" err="1"/>
+                        <a:t>VehicleProcess</a:t>
+                      </a:r>
+                      <a:endParaRPr lang="en-US" sz="1600" dirty="0"/>
+                    </a:p>
+                  </a:txBody>
+                  <a:tcPr>
+                    <a:lnB w="12700" cap="flat" cmpd="sng" algn="ctr">
+                      <a:solidFill>
+                        <a:schemeClr val="tx1"/>
+                      </a:solidFill>
+                      <a:prstDash val="solid"/>
+                      <a:round/>
+                      <a:headEnd type="none" w="med" len="med"/>
+                      <a:tailEnd type="none" w="med" len="med"/>
+                    </a:lnB>
+                  </a:tcPr>
+                </a:tc>
+                <a:extLst>
+                  <a:ext uri="{0D108BD9-81ED-4DB2-BD59-A6C34878D82A}">
+                    <a16:rowId xmlns:a16="http://schemas.microsoft.com/office/drawing/2014/main" val="859155137"/>
+                  </a:ext>
+                </a:extLst>
+              </a:tr>
+              <a:tr h="1196125">
+                <a:tc>
+                  <a:txBody>
+                    <a:bodyPr/>
+                    <a:lstStyle/>
+                    <a:p>
+                      <a:r>
+                        <a:rPr lang="en-US" sz="1600" b="0" dirty="0"/>
+                        <a:t>id</a:t>
+                      </a:r>
+                    </a:p>
+                    <a:p>
+                      <a:r>
+                        <a:rPr lang="en-US" sz="1600" b="0" dirty="0" err="1"/>
+                        <a:t>startTime</a:t>
+                      </a:r>
+                      <a:endParaRPr lang="en-US" sz="1600" b="0" dirty="0"/>
+                    </a:p>
+                    <a:p>
+                      <a:r>
+                        <a:rPr lang="en-US" sz="1600" b="0" dirty="0" err="1"/>
+                        <a:t>endTime</a:t>
+                      </a:r>
+                      <a:endParaRPr lang="en-US" sz="1600" b="0" dirty="0"/>
+                    </a:p>
+                    <a:p>
+                      <a:r>
+                        <a:rPr lang="en-US" sz="1600" b="0" dirty="0" err="1"/>
+                        <a:t>entranceIntersection</a:t>
+                      </a:r>
+                      <a:endParaRPr lang="en-US" sz="1600" b="0" dirty="0"/>
+                    </a:p>
+                    <a:p>
+                      <a:pPr marL="0" marR="0" lvl="0" indent="0" algn="l" defTabSz="914400" rtl="0" eaLnBrk="1" fontAlgn="auto" latinLnBrk="0" hangingPunct="1">
+                        <a:lnSpc>
+                          <a:spcPct val="100000"/>
+                        </a:lnSpc>
+                        <a:spcBef>
+                          <a:spcPts val="0"/>
+                        </a:spcBef>
+                        <a:spcAft>
+                          <a:spcPts val="0"/>
+                        </a:spcAft>
+                        <a:buClrTx/>
+                        <a:buSzTx/>
+                        <a:buFontTx/>
+                        <a:buNone/>
+                        <a:tabLst/>
+                        <a:defRPr/>
+                      </a:pPr>
+                      <a:r>
+                        <a:rPr lang="en-US" sz="1600" b="0" kern="1200" dirty="0" err="1">
+                          <a:solidFill>
+                            <a:schemeClr val="tx1"/>
+                          </a:solidFill>
+                          <a:latin typeface="+mn-lt"/>
+                          <a:ea typeface="+mn-ea"/>
+                          <a:cs typeface="+mn-cs"/>
+                        </a:rPr>
+                        <a:t>entranceDirection</a:t>
+                      </a:r>
+                      <a:endParaRPr lang="en-US" sz="1600" b="0" kern="1200" dirty="0">
+                        <a:solidFill>
+                          <a:schemeClr val="tx1"/>
+                        </a:solidFill>
+                        <a:latin typeface="+mn-lt"/>
+                        <a:ea typeface="+mn-ea"/>
+                        <a:cs typeface="+mn-cs"/>
+                      </a:endParaRPr>
+                    </a:p>
+                    <a:p>
+                      <a:pPr marL="0" algn="l" defTabSz="914400" rtl="0" eaLnBrk="1" latinLnBrk="0" hangingPunct="1"/>
+                      <a:r>
+                        <a:rPr lang="en-US" sz="1600" b="0" kern="1200" dirty="0" err="1">
+                          <a:solidFill>
+                            <a:schemeClr val="tx1"/>
+                          </a:solidFill>
+                          <a:latin typeface="+mn-lt"/>
+                          <a:ea typeface="+mn-ea"/>
+                          <a:cs typeface="+mn-cs"/>
+                        </a:rPr>
+                        <a:t>exitIntersection</a:t>
+                      </a:r>
+                      <a:endParaRPr lang="en-US" sz="1600" b="0" kern="1200" dirty="0">
+                        <a:solidFill>
+                          <a:schemeClr val="tx1"/>
+                        </a:solidFill>
+                        <a:latin typeface="+mn-lt"/>
+                        <a:ea typeface="+mn-ea"/>
+                        <a:cs typeface="+mn-cs"/>
+                      </a:endParaRPr>
+                    </a:p>
+                    <a:p>
+                      <a:pPr marL="0" algn="l" defTabSz="914400" rtl="0" eaLnBrk="1" latinLnBrk="0" hangingPunct="1"/>
+                      <a:r>
+                        <a:rPr lang="en-US" sz="1600" b="0" kern="1200" dirty="0" err="1">
+                          <a:solidFill>
+                            <a:schemeClr val="tx1"/>
+                          </a:solidFill>
+                          <a:latin typeface="+mn-lt"/>
+                          <a:ea typeface="+mn-ea"/>
+                          <a:cs typeface="+mn-cs"/>
+                        </a:rPr>
+                        <a:t>exitDirection</a:t>
+                      </a:r>
+                      <a:endParaRPr lang="en-US" sz="1600" b="0" kern="1200" dirty="0">
+                        <a:solidFill>
+                          <a:schemeClr val="tx1"/>
+                        </a:solidFill>
+                        <a:latin typeface="+mn-lt"/>
+                        <a:ea typeface="+mn-ea"/>
+                        <a:cs typeface="+mn-cs"/>
+                      </a:endParaRPr>
+                    </a:p>
+                  </a:txBody>
+                  <a:tcPr>
+                    <a:lnL w="12700" cap="flat" cmpd="sng" algn="ctr">
+                      <a:solidFill>
+                        <a:schemeClr val="tx1"/>
+                      </a:solidFill>
+                      <a:prstDash val="solid"/>
+                      <a:round/>
+                      <a:headEnd type="none" w="med" len="med"/>
+                      <a:tailEnd type="none" w="med" len="med"/>
+                    </a:lnL>
+                    <a:lnR w="12700" cap="flat" cmpd="sng" algn="ctr">
+                      <a:solidFill>
+                        <a:schemeClr val="tx1"/>
+                      </a:solidFill>
+                      <a:prstDash val="solid"/>
+                      <a:round/>
+                      <a:headEnd type="none" w="med" len="med"/>
+                      <a:tailEnd type="none" w="med" len="med"/>
+                    </a:lnR>
+                    <a:lnT w="12700" cap="flat" cmpd="sng" algn="ctr">
+                      <a:solidFill>
+                        <a:schemeClr val="tx1"/>
+                      </a:solidFill>
+                      <a:prstDash val="solid"/>
+                      <a:round/>
+                      <a:headEnd type="none" w="med" len="med"/>
+                      <a:tailEnd type="none" w="med" len="med"/>
+                    </a:lnT>
+                    <a:lnB w="12700" cap="flat" cmpd="sng" algn="ctr">
+                      <a:solidFill>
+                        <a:schemeClr val="tx1"/>
+                      </a:solidFill>
+                      <a:prstDash val="solid"/>
+                      <a:round/>
+                      <a:headEnd type="none" w="med" len="med"/>
+                      <a:tailEnd type="none" w="med" len="med"/>
+                    </a:lnB>
+                  </a:tcPr>
+                </a:tc>
+                <a:extLst>
+                  <a:ext uri="{0D108BD9-81ED-4DB2-BD59-A6C34878D82A}">
+                    <a16:rowId xmlns:a16="http://schemas.microsoft.com/office/drawing/2014/main" val="2159804113"/>
+                  </a:ext>
+                </a:extLst>
+              </a:tr>
+              <a:tr h="419959">
+                <a:tc>
+                  <a:txBody>
+                    <a:bodyPr/>
+                    <a:lstStyle/>
+                    <a:p>
+                      <a:pPr marL="0" marR="0" lvl="0" indent="0" algn="l" defTabSz="914400" rtl="0" eaLnBrk="1" fontAlgn="auto" latinLnBrk="0" hangingPunct="1">
+                        <a:lnSpc>
+                          <a:spcPct val="100000"/>
+                        </a:lnSpc>
+                        <a:spcBef>
+                          <a:spcPts val="0"/>
+                        </a:spcBef>
+                        <a:spcAft>
+                          <a:spcPts val="0"/>
+                        </a:spcAft>
+                        <a:buClrTx/>
+                        <a:buSzTx/>
+                        <a:buFontTx/>
+                        <a:buNone/>
+                        <a:tabLst/>
+                        <a:defRPr/>
+                      </a:pPr>
+                      <a:r>
+                        <a:rPr lang="en-US" sz="1600" dirty="0"/>
+                        <a:t>run()</a:t>
+                      </a:r>
+                    </a:p>
+                    <a:p>
+                      <a:pPr marL="0" marR="0" lvl="0" indent="0" algn="l" defTabSz="914400" rtl="0" eaLnBrk="1" fontAlgn="auto" latinLnBrk="0" hangingPunct="1">
+                        <a:lnSpc>
+                          <a:spcPct val="100000"/>
+                        </a:lnSpc>
+                        <a:spcBef>
+                          <a:spcPts val="0"/>
+                        </a:spcBef>
+                        <a:spcAft>
+                          <a:spcPts val="0"/>
+                        </a:spcAft>
+                        <a:buClrTx/>
+                        <a:buSzTx/>
+                        <a:buFontTx/>
+                        <a:buNone/>
+                        <a:tabLst/>
+                        <a:defRPr/>
+                      </a:pPr>
+                      <a:r>
+                        <a:rPr lang="en-US" sz="1600" dirty="0" err="1"/>
+                        <a:t>toString</a:t>
+                      </a:r>
+                      <a:r>
+                        <a:rPr lang="en-US" sz="1600" dirty="0"/>
+                        <a:t>()</a:t>
+                      </a:r>
+                    </a:p>
+                  </a:txBody>
+                  <a:tcPr>
+                    <a:lnT w="12700" cap="flat" cmpd="sng" algn="ctr">
+                      <a:solidFill>
+                        <a:schemeClr val="tx1"/>
+                      </a:solidFill>
+                      <a:prstDash val="solid"/>
+                      <a:round/>
+                      <a:headEnd type="none" w="med" len="med"/>
+                      <a:tailEnd type="none" w="med" len="med"/>
+                    </a:lnT>
+                  </a:tcPr>
+                </a:tc>
+                <a:extLst>
+                  <a:ext uri="{0D108BD9-81ED-4DB2-BD59-A6C34878D82A}">
+                    <a16:rowId xmlns:a16="http://schemas.microsoft.com/office/drawing/2014/main" val="2650514324"/>
+                  </a:ext>
+                </a:extLst>
+              </a:tr>
+            </a:tbl>
+          </a:graphicData>
+        </a:graphic>
+      </p:graphicFrame>
+      <p:graphicFrame>
+        <p:nvGraphicFramePr>
+          <p:cNvPr id="3" name="Table 2">
+            <a:extLst>
+              <a:ext uri="{FF2B5EF4-FFF2-40B4-BE49-F238E27FC236}">
+                <a16:creationId xmlns:a16="http://schemas.microsoft.com/office/drawing/2014/main" id="{BD364204-E06B-4EEC-9779-D180AB2D116E}"/>
+              </a:ext>
+            </a:extLst>
+          </p:cNvPr>
+          <p:cNvGraphicFramePr>
+            <a:graphicFrameLocks noGrp="1"/>
+          </p:cNvGraphicFramePr>
+          <p:nvPr>
+            <p:extLst>
+              <p:ext uri="{D42A27DB-BD31-4B8C-83A1-F6EECF244321}">
+                <p14:modId xmlns:p14="http://schemas.microsoft.com/office/powerpoint/2010/main" val="2372191642"/>
+              </p:ext>
+            </p:extLst>
+          </p:nvPr>
+        </p:nvGraphicFramePr>
+        <p:xfrm>
+          <a:off x="8214886" y="982736"/>
+          <a:ext cx="2905095" cy="2321342"/>
+        </p:xfrm>
+        <a:graphic>
+          <a:graphicData uri="http://schemas.openxmlformats.org/drawingml/2006/table">
+            <a:tbl>
+              <a:tblPr firstRow="1" bandRow="1">
+                <a:tableStyleId>{5940675A-B579-460E-94D1-54222C63F5DA}</a:tableStyleId>
+              </a:tblPr>
+              <a:tblGrid>
+                <a:gridCol w="2905095">
+                  <a:extLst>
+                    <a:ext uri="{9D8B030D-6E8A-4147-A177-3AD203B41FA5}">
+                      <a16:colId xmlns:a16="http://schemas.microsoft.com/office/drawing/2014/main" val="870813463"/>
+                    </a:ext>
+                  </a:extLst>
+                </a:gridCol>
+              </a:tblGrid>
+              <a:tr h="276001">
+                <a:tc>
+                  <a:txBody>
+                    <a:bodyPr/>
+                    <a:lstStyle/>
+                    <a:p>
+                      <a:r>
+                        <a:rPr lang="en-US" sz="1600" b="1" u="sng" dirty="0" err="1"/>
+                        <a:t>TrafficLight</a:t>
+                      </a:r>
+                      <a:endParaRPr lang="en-US" sz="1600" dirty="0"/>
+                    </a:p>
+                  </a:txBody>
+                  <a:tcPr>
+                    <a:lnB w="12700" cap="flat" cmpd="sng" algn="ctr">
+                      <a:solidFill>
+                        <a:schemeClr val="tx1"/>
+                      </a:solidFill>
+                      <a:prstDash val="solid"/>
+                      <a:round/>
+                      <a:headEnd type="none" w="med" len="med"/>
+                      <a:tailEnd type="none" w="med" len="med"/>
+                    </a:lnB>
+                  </a:tcPr>
+                </a:tc>
+                <a:extLst>
+                  <a:ext uri="{0D108BD9-81ED-4DB2-BD59-A6C34878D82A}">
+                    <a16:rowId xmlns:a16="http://schemas.microsoft.com/office/drawing/2014/main" val="859155137"/>
+                  </a:ext>
+                </a:extLst>
+              </a:tr>
+              <a:tr h="677456">
+                <a:tc>
+                  <a:txBody>
+                    <a:bodyPr/>
+                    <a:lstStyle/>
+                    <a:p>
+                      <a:r>
+                        <a:rPr lang="en-US" sz="1600" dirty="0"/>
+                        <a:t>intersection</a:t>
+                      </a:r>
+                    </a:p>
+                    <a:p>
+                      <a:r>
+                        <a:rPr lang="en-US" sz="1600" dirty="0"/>
+                        <a:t>{</a:t>
+                      </a:r>
+                      <a:r>
+                        <a:rPr lang="en-US" sz="1600" dirty="0" err="1"/>
+                        <a:t>isGreen</a:t>
+                      </a:r>
+                      <a:r>
+                        <a:rPr lang="en-US" sz="1600" dirty="0"/>
+                        <a:t>} for all directions</a:t>
+                      </a:r>
+                    </a:p>
+                    <a:p>
+                      <a:r>
+                        <a:rPr lang="en-US" sz="1600" dirty="0"/>
+                        <a:t>{</a:t>
+                      </a:r>
+                      <a:r>
+                        <a:rPr lang="en-US" sz="1600" dirty="0" err="1"/>
+                        <a:t>vehQueue</a:t>
+                      </a:r>
+                      <a:r>
+                        <a:rPr lang="en-US" sz="1600" dirty="0"/>
+                        <a:t>} for all direction</a:t>
+                      </a:r>
+                    </a:p>
+                  </a:txBody>
+                  <a:tcPr>
+                    <a:lnL w="12700" cap="flat" cmpd="sng" algn="ctr">
+                      <a:solidFill>
+                        <a:schemeClr val="tx1"/>
+                      </a:solidFill>
+                      <a:prstDash val="solid"/>
+                      <a:round/>
+                      <a:headEnd type="none" w="med" len="med"/>
+                      <a:tailEnd type="none" w="med" len="med"/>
+                    </a:lnL>
+                    <a:lnR w="12700" cap="flat" cmpd="sng" algn="ctr">
+                      <a:solidFill>
+                        <a:schemeClr val="tx1"/>
+                      </a:solidFill>
+                      <a:prstDash val="solid"/>
+                      <a:round/>
+                      <a:headEnd type="none" w="med" len="med"/>
+                      <a:tailEnd type="none" w="med" len="med"/>
+                    </a:lnR>
+                    <a:lnT w="12700" cap="flat" cmpd="sng" algn="ctr">
+                      <a:solidFill>
+                        <a:schemeClr val="tx1"/>
+                      </a:solidFill>
+                      <a:prstDash val="solid"/>
+                      <a:round/>
+                      <a:headEnd type="none" w="med" len="med"/>
+                      <a:tailEnd type="none" w="med" len="med"/>
+                    </a:lnT>
+                    <a:lnB w="12700" cap="flat" cmpd="sng" algn="ctr">
+                      <a:solidFill>
+                        <a:schemeClr val="tx1"/>
+                      </a:solidFill>
+                      <a:prstDash val="solid"/>
+                      <a:round/>
+                      <a:headEnd type="none" w="med" len="med"/>
+                      <a:tailEnd type="none" w="med" len="med"/>
+                    </a:lnB>
+                  </a:tcPr>
+                </a:tc>
+                <a:extLst>
+                  <a:ext uri="{0D108BD9-81ED-4DB2-BD59-A6C34878D82A}">
+                    <a16:rowId xmlns:a16="http://schemas.microsoft.com/office/drawing/2014/main" val="2159804113"/>
+                  </a:ext>
+                </a:extLst>
+              </a:tr>
+              <a:tr h="1163102">
+                <a:tc>
+                  <a:txBody>
+                    <a:bodyPr/>
+                    <a:lstStyle/>
+                    <a:p>
+                      <a:pPr marL="0" marR="0" lvl="0" indent="0" algn="l" defTabSz="914400" rtl="0" eaLnBrk="1" fontAlgn="auto" latinLnBrk="0" hangingPunct="1">
+                        <a:lnSpc>
+                          <a:spcPct val="100000"/>
+                        </a:lnSpc>
+                        <a:spcBef>
+                          <a:spcPts val="0"/>
+                        </a:spcBef>
+                        <a:spcAft>
+                          <a:spcPts val="0"/>
+                        </a:spcAft>
+                        <a:buClrTx/>
+                        <a:buSzTx/>
+                        <a:buFontTx/>
+                        <a:buNone/>
+                        <a:tabLst/>
+                        <a:defRPr/>
+                      </a:pPr>
+                      <a:r>
+                        <a:rPr lang="en-US" sz="1600" kern="1200" dirty="0" err="1">
+                          <a:solidFill>
+                            <a:schemeClr val="tx1"/>
+                          </a:solidFill>
+                          <a:effectLst/>
+                          <a:latin typeface="+mn-lt"/>
+                          <a:ea typeface="+mn-ea"/>
+                          <a:cs typeface="+mn-cs"/>
+                        </a:rPr>
+                        <a:t>isGreen</a:t>
+                      </a:r>
+                      <a:r>
+                        <a:rPr lang="en-US" sz="1600" dirty="0"/>
+                        <a:t>()</a:t>
+                      </a:r>
+                    </a:p>
+                    <a:p>
+                      <a:pPr marL="0" marR="0" lvl="0" indent="0" algn="l" defTabSz="914400" rtl="0" eaLnBrk="1" fontAlgn="auto" latinLnBrk="0" hangingPunct="1">
+                        <a:lnSpc>
+                          <a:spcPct val="100000"/>
+                        </a:lnSpc>
+                        <a:spcBef>
+                          <a:spcPts val="0"/>
+                        </a:spcBef>
+                        <a:spcAft>
+                          <a:spcPts val="0"/>
+                        </a:spcAft>
+                        <a:buClrTx/>
+                        <a:buSzTx/>
+                        <a:buFontTx/>
+                        <a:buNone/>
+                        <a:tabLst/>
+                        <a:defRPr/>
+                      </a:pPr>
+                      <a:r>
+                        <a:rPr lang="en-US" sz="1600" dirty="0" err="1"/>
+                        <a:t>setLight</a:t>
+                      </a:r>
+                      <a:r>
+                        <a:rPr lang="en-US" sz="1600" dirty="0"/>
+                        <a:t>()</a:t>
+                      </a:r>
+                    </a:p>
+                    <a:p>
+                      <a:pPr marL="0" marR="0" lvl="0" indent="0" algn="l" defTabSz="914400" rtl="0" eaLnBrk="1" fontAlgn="auto" latinLnBrk="0" hangingPunct="1">
+                        <a:lnSpc>
+                          <a:spcPct val="100000"/>
+                        </a:lnSpc>
+                        <a:spcBef>
+                          <a:spcPts val="0"/>
+                        </a:spcBef>
+                        <a:spcAft>
+                          <a:spcPts val="0"/>
+                        </a:spcAft>
+                        <a:buClrTx/>
+                        <a:buSzTx/>
+                        <a:buFontTx/>
+                        <a:buNone/>
+                        <a:tabLst/>
+                        <a:defRPr/>
+                      </a:pPr>
+                      <a:r>
+                        <a:rPr lang="en-US" sz="1600" dirty="0" err="1"/>
+                        <a:t>generateLightEvents</a:t>
+                      </a:r>
+                      <a:r>
+                        <a:rPr lang="en-US" sz="1600" dirty="0"/>
+                        <a:t>()</a:t>
+                      </a:r>
+                    </a:p>
+                  </a:txBody>
+                  <a:tcPr>
+                    <a:lnT w="12700" cap="flat" cmpd="sng" algn="ctr">
+                      <a:solidFill>
+                        <a:schemeClr val="tx1"/>
+                      </a:solidFill>
+                      <a:prstDash val="solid"/>
+                      <a:round/>
+                      <a:headEnd type="none" w="med" len="med"/>
+                      <a:tailEnd type="none" w="med" len="med"/>
+                    </a:lnT>
+                  </a:tcPr>
+                </a:tc>
+                <a:extLst>
+                  <a:ext uri="{0D108BD9-81ED-4DB2-BD59-A6C34878D82A}">
+                    <a16:rowId xmlns:a16="http://schemas.microsoft.com/office/drawing/2014/main" val="2650514324"/>
+                  </a:ext>
+                </a:extLst>
+              </a:tr>
+            </a:tbl>
+          </a:graphicData>
+        </a:graphic>
+      </p:graphicFrame>
+      <p:graphicFrame>
+        <p:nvGraphicFramePr>
+          <p:cNvPr id="4" name="Table 3">
+            <a:extLst>
+              <a:ext uri="{FF2B5EF4-FFF2-40B4-BE49-F238E27FC236}">
+                <a16:creationId xmlns:a16="http://schemas.microsoft.com/office/drawing/2014/main" id="{CA707C12-8317-45AA-898C-FAC1D1026DEF}"/>
+              </a:ext>
+            </a:extLst>
+          </p:cNvPr>
+          <p:cNvGraphicFramePr>
+            <a:graphicFrameLocks noGrp="1"/>
+          </p:cNvGraphicFramePr>
+          <p:nvPr>
+            <p:extLst>
+              <p:ext uri="{D42A27DB-BD31-4B8C-83A1-F6EECF244321}">
+                <p14:modId xmlns:p14="http://schemas.microsoft.com/office/powerpoint/2010/main" val="3666308118"/>
+              </p:ext>
+            </p:extLst>
+          </p:nvPr>
+        </p:nvGraphicFramePr>
+        <p:xfrm>
+          <a:off x="2892425" y="4221707"/>
+          <a:ext cx="1549399" cy="1981200"/>
+        </p:xfrm>
+        <a:graphic>
+          <a:graphicData uri="http://schemas.openxmlformats.org/drawingml/2006/table">
+            <a:tbl>
+              <a:tblPr firstRow="1" bandRow="1">
+                <a:tableStyleId>{5940675A-B579-460E-94D1-54222C63F5DA}</a:tableStyleId>
+              </a:tblPr>
+              <a:tblGrid>
+                <a:gridCol w="1549399">
+                  <a:extLst>
+                    <a:ext uri="{9D8B030D-6E8A-4147-A177-3AD203B41FA5}">
+                      <a16:colId xmlns:a16="http://schemas.microsoft.com/office/drawing/2014/main" val="870813463"/>
+                    </a:ext>
+                  </a:extLst>
+                </a:gridCol>
+              </a:tblGrid>
+              <a:tr h="289110">
+                <a:tc>
+                  <a:txBody>
+                    <a:bodyPr/>
+                    <a:lstStyle/>
+                    <a:p>
+                      <a:r>
+                        <a:rPr lang="en-US" sz="1600" b="1" u="sng" dirty="0" err="1"/>
+                        <a:t>FileIo</a:t>
+                      </a:r>
+                      <a:endParaRPr lang="en-US" sz="1600" b="1" u="sng" dirty="0"/>
+                    </a:p>
+                  </a:txBody>
+                  <a:tcPr>
+                    <a:lnB w="12700" cap="flat" cmpd="sng" algn="ctr">
+                      <a:solidFill>
+                        <a:schemeClr val="tx1"/>
+                      </a:solidFill>
+                      <a:prstDash val="solid"/>
+                      <a:round/>
+                      <a:headEnd type="none" w="med" len="med"/>
+                      <a:tailEnd type="none" w="med" len="med"/>
+                    </a:lnB>
+                  </a:tcPr>
+                </a:tc>
+                <a:extLst>
+                  <a:ext uri="{0D108BD9-81ED-4DB2-BD59-A6C34878D82A}">
+                    <a16:rowId xmlns:a16="http://schemas.microsoft.com/office/drawing/2014/main" val="859155137"/>
+                  </a:ext>
+                </a:extLst>
+              </a:tr>
+              <a:tr h="563357">
+                <a:tc>
+                  <a:txBody>
+                    <a:bodyPr/>
+                    <a:lstStyle/>
+                    <a:p>
+                      <a:r>
+                        <a:rPr lang="en-US" sz="1600" dirty="0"/>
+                        <a:t>distributions</a:t>
+                      </a:r>
+                    </a:p>
+                    <a:p>
+                      <a:r>
+                        <a:rPr lang="en-US" sz="1600" dirty="0"/>
+                        <a:t>rand</a:t>
+                      </a:r>
+                    </a:p>
+                  </a:txBody>
+                  <a:tcPr>
+                    <a:lnL w="12700" cap="flat" cmpd="sng" algn="ctr">
+                      <a:solidFill>
+                        <a:schemeClr val="tx1"/>
+                      </a:solidFill>
+                      <a:prstDash val="solid"/>
+                      <a:round/>
+                      <a:headEnd type="none" w="med" len="med"/>
+                      <a:tailEnd type="none" w="med" len="med"/>
+                    </a:lnL>
+                    <a:lnR w="12700" cap="flat" cmpd="sng" algn="ctr">
+                      <a:solidFill>
+                        <a:schemeClr val="tx1"/>
+                      </a:solidFill>
+                      <a:prstDash val="solid"/>
+                      <a:round/>
+                      <a:headEnd type="none" w="med" len="med"/>
+                      <a:tailEnd type="none" w="med" len="med"/>
+                    </a:lnR>
+                    <a:lnT w="12700" cap="flat" cmpd="sng" algn="ctr">
+                      <a:solidFill>
+                        <a:schemeClr val="tx1"/>
+                      </a:solidFill>
+                      <a:prstDash val="solid"/>
+                      <a:round/>
+                      <a:headEnd type="none" w="med" len="med"/>
+                      <a:tailEnd type="none" w="med" len="med"/>
+                    </a:lnT>
+                    <a:lnB w="12700" cap="flat" cmpd="sng" algn="ctr">
+                      <a:solidFill>
+                        <a:schemeClr val="tx1"/>
+                      </a:solidFill>
+                      <a:prstDash val="solid"/>
+                      <a:round/>
+                      <a:headEnd type="none" w="med" len="med"/>
+                      <a:tailEnd type="none" w="med" len="med"/>
+                    </a:lnB>
+                  </a:tcPr>
+                </a:tc>
+                <a:extLst>
+                  <a:ext uri="{0D108BD9-81ED-4DB2-BD59-A6C34878D82A}">
+                    <a16:rowId xmlns:a16="http://schemas.microsoft.com/office/drawing/2014/main" val="2159804113"/>
+                  </a:ext>
+                </a:extLst>
+              </a:tr>
+              <a:tr h="709634">
+                <a:tc>
+                  <a:txBody>
+                    <a:bodyPr/>
+                    <a:lstStyle/>
+                    <a:p>
+                      <a:pPr marL="0" marR="0" lvl="0" indent="0" algn="l" defTabSz="914400" rtl="0" eaLnBrk="1" fontAlgn="auto" latinLnBrk="0" hangingPunct="1">
+                        <a:lnSpc>
+                          <a:spcPct val="100000"/>
+                        </a:lnSpc>
+                        <a:spcBef>
+                          <a:spcPts val="0"/>
+                        </a:spcBef>
+                        <a:spcAft>
+                          <a:spcPts val="0"/>
+                        </a:spcAft>
+                        <a:buClrTx/>
+                        <a:buSzTx/>
+                        <a:buFontTx/>
+                        <a:buNone/>
+                        <a:tabLst/>
+                        <a:defRPr/>
+                      </a:pPr>
+                      <a:r>
+                        <a:rPr lang="en-US" sz="1600" dirty="0" err="1"/>
+                        <a:t>readFile</a:t>
+                      </a:r>
+                      <a:r>
+                        <a:rPr lang="en-US" sz="1600" dirty="0"/>
+                        <a:t>()</a:t>
+                      </a:r>
+                    </a:p>
+                    <a:p>
+                      <a:pPr marL="0" marR="0" lvl="0" indent="0" algn="l" defTabSz="914400" rtl="0" eaLnBrk="1" fontAlgn="auto" latinLnBrk="0" hangingPunct="1">
+                        <a:lnSpc>
+                          <a:spcPct val="100000"/>
+                        </a:lnSpc>
+                        <a:spcBef>
+                          <a:spcPts val="0"/>
+                        </a:spcBef>
+                        <a:spcAft>
+                          <a:spcPts val="0"/>
+                        </a:spcAft>
+                        <a:buClrTx/>
+                        <a:buSzTx/>
+                        <a:buFontTx/>
+                        <a:buNone/>
+                        <a:tabLst/>
+                        <a:defRPr/>
+                      </a:pPr>
+                      <a:r>
+                        <a:rPr lang="en-US" sz="1600" dirty="0" err="1"/>
+                        <a:t>writeEvent</a:t>
+                      </a:r>
+                      <a:r>
+                        <a:rPr lang="en-US" sz="1600" dirty="0"/>
+                        <a:t>()</a:t>
+                      </a:r>
+                    </a:p>
+                    <a:p>
+                      <a:pPr marL="0" marR="0" lvl="0" indent="0" algn="l" defTabSz="914400" rtl="0" eaLnBrk="1" fontAlgn="auto" latinLnBrk="0" hangingPunct="1">
+                        <a:lnSpc>
+                          <a:spcPct val="100000"/>
+                        </a:lnSpc>
+                        <a:spcBef>
+                          <a:spcPts val="0"/>
+                        </a:spcBef>
+                        <a:spcAft>
+                          <a:spcPts val="0"/>
+                        </a:spcAft>
+                        <a:buClrTx/>
+                        <a:buSzTx/>
+                        <a:buFontTx/>
+                        <a:buNone/>
+                        <a:tabLst/>
+                        <a:defRPr/>
+                      </a:pPr>
+                      <a:r>
+                        <a:rPr lang="en-US" sz="1600" dirty="0" err="1"/>
+                        <a:t>wirteVehs</a:t>
+                      </a:r>
+                      <a:r>
+                        <a:rPr lang="en-US" sz="1600" dirty="0"/>
+                        <a:t>()</a:t>
+                      </a:r>
+                    </a:p>
+                    <a:p>
+                      <a:pPr marL="0" marR="0" lvl="0" indent="0" algn="l" defTabSz="914400" rtl="0" eaLnBrk="1" fontAlgn="auto" latinLnBrk="0" hangingPunct="1">
+                        <a:lnSpc>
+                          <a:spcPct val="100000"/>
+                        </a:lnSpc>
+                        <a:spcBef>
+                          <a:spcPts val="0"/>
+                        </a:spcBef>
+                        <a:spcAft>
+                          <a:spcPts val="0"/>
+                        </a:spcAft>
+                        <a:buClrTx/>
+                        <a:buSzTx/>
+                        <a:buFontTx/>
+                        <a:buNone/>
+                        <a:tabLst/>
+                        <a:defRPr/>
+                      </a:pPr>
+                      <a:r>
+                        <a:rPr lang="en-US" sz="1600" dirty="0" err="1"/>
+                        <a:t>generateFlow</a:t>
+                      </a:r>
+                      <a:r>
+                        <a:rPr lang="en-US" sz="1600" dirty="0"/>
+                        <a:t>()</a:t>
+                      </a:r>
+                    </a:p>
+                  </a:txBody>
+                  <a:tcPr>
+                    <a:lnT w="12700" cap="flat" cmpd="sng" algn="ctr">
+                      <a:solidFill>
+                        <a:schemeClr val="tx1"/>
+                      </a:solidFill>
+                      <a:prstDash val="solid"/>
+                      <a:round/>
+                      <a:headEnd type="none" w="med" len="med"/>
+                      <a:tailEnd type="none" w="med" len="med"/>
+                    </a:lnT>
+                  </a:tcPr>
+                </a:tc>
+                <a:extLst>
+                  <a:ext uri="{0D108BD9-81ED-4DB2-BD59-A6C34878D82A}">
+                    <a16:rowId xmlns:a16="http://schemas.microsoft.com/office/drawing/2014/main" val="2650514324"/>
+                  </a:ext>
+                </a:extLst>
+              </a:tr>
+            </a:tbl>
+          </a:graphicData>
+        </a:graphic>
+      </p:graphicFrame>
+      <p:graphicFrame>
+        <p:nvGraphicFramePr>
+          <p:cNvPr id="5" name="Table 4">
+            <a:extLst>
+              <a:ext uri="{FF2B5EF4-FFF2-40B4-BE49-F238E27FC236}">
+                <a16:creationId xmlns:a16="http://schemas.microsoft.com/office/drawing/2014/main" id="{889B107F-095E-42FC-BE68-2CEE17773D75}"/>
+              </a:ext>
+            </a:extLst>
+          </p:cNvPr>
+          <p:cNvGraphicFramePr>
+            <a:graphicFrameLocks noGrp="1"/>
+          </p:cNvGraphicFramePr>
+          <p:nvPr>
+            <p:extLst>
+              <p:ext uri="{D42A27DB-BD31-4B8C-83A1-F6EECF244321}">
+                <p14:modId xmlns:p14="http://schemas.microsoft.com/office/powerpoint/2010/main" val="3368398710"/>
+              </p:ext>
+            </p:extLst>
+          </p:nvPr>
+        </p:nvGraphicFramePr>
+        <p:xfrm>
+          <a:off x="1060289" y="4389347"/>
+          <a:ext cx="1247775" cy="1645920"/>
+        </p:xfrm>
+        <a:graphic>
+          <a:graphicData uri="http://schemas.openxmlformats.org/drawingml/2006/table">
+            <a:tbl>
+              <a:tblPr firstRow="1" bandRow="1">
+                <a:tableStyleId>{5940675A-B579-460E-94D1-54222C63F5DA}</a:tableStyleId>
+              </a:tblPr>
+              <a:tblGrid>
+                <a:gridCol w="1247775">
+                  <a:extLst>
+                    <a:ext uri="{9D8B030D-6E8A-4147-A177-3AD203B41FA5}">
+                      <a16:colId xmlns:a16="http://schemas.microsoft.com/office/drawing/2014/main" val="870813463"/>
+                    </a:ext>
+                  </a:extLst>
+                </a:gridCol>
+              </a:tblGrid>
+              <a:tr h="331788">
+                <a:tc>
+                  <a:txBody>
+                    <a:bodyPr/>
+                    <a:lstStyle/>
+                    <a:p>
+                      <a:r>
+                        <a:rPr lang="en-US" sz="1600" b="1" u="sng" dirty="0"/>
+                        <a:t>Distribution</a:t>
+                      </a:r>
+                    </a:p>
+                  </a:txBody>
+                  <a:tcPr>
+                    <a:lnB w="12700" cap="flat" cmpd="sng" algn="ctr">
+                      <a:solidFill>
+                        <a:schemeClr val="tx1"/>
+                      </a:solidFill>
+                      <a:prstDash val="solid"/>
+                      <a:round/>
+                      <a:headEnd type="none" w="med" len="med"/>
+                      <a:tailEnd type="none" w="med" len="med"/>
+                    </a:lnB>
+                  </a:tcPr>
+                </a:tc>
+                <a:extLst>
+                  <a:ext uri="{0D108BD9-81ED-4DB2-BD59-A6C34878D82A}">
+                    <a16:rowId xmlns:a16="http://schemas.microsoft.com/office/drawing/2014/main" val="859155137"/>
+                  </a:ext>
+                </a:extLst>
+              </a:tr>
+              <a:tr h="1296988">
+                <a:tc>
+                  <a:txBody>
+                    <a:bodyPr/>
+                    <a:lstStyle/>
+                    <a:p>
+                      <a:r>
+                        <a:rPr lang="en-US" sz="1600" dirty="0"/>
+                        <a:t>intersection</a:t>
+                      </a:r>
+                    </a:p>
+                    <a:p>
+                      <a:r>
+                        <a:rPr lang="en-US" altLang="zh-CN" sz="1600" dirty="0"/>
+                        <a:t>d</a:t>
+                      </a:r>
+                      <a:r>
+                        <a:rPr lang="en-US" sz="1600" dirty="0"/>
+                        <a:t>irection</a:t>
+                      </a:r>
+                    </a:p>
+                    <a:p>
+                      <a:r>
+                        <a:rPr lang="en-US" sz="1600" dirty="0"/>
+                        <a:t>interval[]</a:t>
+                      </a:r>
+                    </a:p>
+                    <a:p>
+                      <a:r>
+                        <a:rPr lang="en-US" sz="1600" dirty="0"/>
+                        <a:t>prob[]</a:t>
+                      </a:r>
+                    </a:p>
+                    <a:p>
+                      <a:r>
+                        <a:rPr lang="en-US" sz="1600" dirty="0" err="1"/>
+                        <a:t>cumuProb</a:t>
+                      </a:r>
+                      <a:r>
+                        <a:rPr lang="en-US" sz="1600" dirty="0"/>
+                        <a:t>[]</a:t>
+                      </a:r>
+                    </a:p>
+                  </a:txBody>
+                  <a:tcPr>
+                    <a:lnL w="12700" cap="flat" cmpd="sng" algn="ctr">
+                      <a:solidFill>
+                        <a:schemeClr val="tx1"/>
+                      </a:solidFill>
+                      <a:prstDash val="solid"/>
+                      <a:round/>
+                      <a:headEnd type="none" w="med" len="med"/>
+                      <a:tailEnd type="none" w="med" len="med"/>
+                    </a:lnL>
+                    <a:lnR w="12700" cap="flat" cmpd="sng" algn="ctr">
+                      <a:solidFill>
+                        <a:schemeClr val="tx1"/>
+                      </a:solidFill>
+                      <a:prstDash val="solid"/>
+                      <a:round/>
+                      <a:headEnd type="none" w="med" len="med"/>
+                      <a:tailEnd type="none" w="med" len="med"/>
+                    </a:lnR>
+                    <a:lnT w="12700" cap="flat" cmpd="sng" algn="ctr">
+                      <a:solidFill>
+                        <a:schemeClr val="tx1"/>
+                      </a:solidFill>
+                      <a:prstDash val="solid"/>
+                      <a:round/>
+                      <a:headEnd type="none" w="med" len="med"/>
+                      <a:tailEnd type="none" w="med" len="med"/>
+                    </a:lnT>
+                  </a:tcPr>
+                </a:tc>
+                <a:extLst>
+                  <a:ext uri="{0D108BD9-81ED-4DB2-BD59-A6C34878D82A}">
+                    <a16:rowId xmlns:a16="http://schemas.microsoft.com/office/drawing/2014/main" val="2159804113"/>
+                  </a:ext>
+                </a:extLst>
+              </a:tr>
+            </a:tbl>
+          </a:graphicData>
+        </a:graphic>
+      </p:graphicFrame>
+      <p:cxnSp>
+        <p:nvCxnSpPr>
+          <p:cNvPr id="6" name="Connector: Elbow 5">
+            <a:extLst>
+              <a:ext uri="{FF2B5EF4-FFF2-40B4-BE49-F238E27FC236}">
+                <a16:creationId xmlns:a16="http://schemas.microsoft.com/office/drawing/2014/main" id="{2C793E13-0520-4DA8-B0AD-5B5579DA98B9}"/>
+              </a:ext>
+            </a:extLst>
+          </p:cNvPr>
+          <p:cNvCxnSpPr>
+            <a:cxnSpLocks/>
+          </p:cNvCxnSpPr>
+          <p:nvPr/>
+        </p:nvCxnSpPr>
+        <p:spPr>
+          <a:xfrm rot="10800000" flipV="1">
+            <a:off x="7130642" y="1842002"/>
+            <a:ext cx="1084244" cy="1028471"/>
+          </a:xfrm>
+          <a:prstGeom prst="bentConnector3">
+            <a:avLst>
+              <a:gd name="adj1" fmla="val 50000"/>
+            </a:avLst>
+          </a:prstGeom>
+          <a:ln w="12700">
+            <a:tailEnd type="triangle"/>
+          </a:ln>
+        </p:spPr>
+        <p:style>
+          <a:lnRef idx="1">
+            <a:schemeClr val="dk1"/>
+          </a:lnRef>
+          <a:fillRef idx="0">
+            <a:schemeClr val="dk1"/>
+          </a:fillRef>
+          <a:effectRef idx="0">
+            <a:schemeClr val="dk1"/>
+          </a:effectRef>
+          <a:fontRef idx="minor">
+            <a:schemeClr val="tx1"/>
+          </a:fontRef>
+        </p:style>
+      </p:cxnSp>
+      <p:graphicFrame>
+        <p:nvGraphicFramePr>
+          <p:cNvPr id="7" name="Table 6">
+            <a:extLst>
+              <a:ext uri="{FF2B5EF4-FFF2-40B4-BE49-F238E27FC236}">
+                <a16:creationId xmlns:a16="http://schemas.microsoft.com/office/drawing/2014/main" id="{3127CE08-6AFD-456D-B42C-D98FA6EAD137}"/>
+              </a:ext>
+            </a:extLst>
+          </p:cNvPr>
+          <p:cNvGraphicFramePr>
+            <a:graphicFrameLocks noGrp="1"/>
+          </p:cNvGraphicFramePr>
+          <p:nvPr>
+            <p:extLst>
+              <p:ext uri="{D42A27DB-BD31-4B8C-83A1-F6EECF244321}">
+                <p14:modId xmlns:p14="http://schemas.microsoft.com/office/powerpoint/2010/main" val="2328673158"/>
+              </p:ext>
+            </p:extLst>
+          </p:nvPr>
+        </p:nvGraphicFramePr>
+        <p:xfrm>
+          <a:off x="5091112" y="1763115"/>
+          <a:ext cx="2039530" cy="2749920"/>
+        </p:xfrm>
+        <a:graphic>
+          <a:graphicData uri="http://schemas.openxmlformats.org/drawingml/2006/table">
+            <a:tbl>
+              <a:tblPr firstRow="1" bandRow="1">
+                <a:tableStyleId>{5940675A-B579-460E-94D1-54222C63F5DA}</a:tableStyleId>
+              </a:tblPr>
+              <a:tblGrid>
+                <a:gridCol w="2039530">
+                  <a:extLst>
+                    <a:ext uri="{9D8B030D-6E8A-4147-A177-3AD203B41FA5}">
+                      <a16:colId xmlns:a16="http://schemas.microsoft.com/office/drawing/2014/main" val="870813463"/>
+                    </a:ext>
+                  </a:extLst>
+                </a:gridCol>
+              </a:tblGrid>
+              <a:tr h="302441">
+                <a:tc>
+                  <a:txBody>
+                    <a:bodyPr/>
+                    <a:lstStyle/>
+                    <a:p>
+                      <a:r>
+                        <a:rPr lang="en-US" altLang="zh-CN" sz="1600" b="1" u="sng" dirty="0"/>
+                        <a:t>Scheduler</a:t>
+                      </a:r>
+                      <a:endParaRPr lang="en-US" sz="1600" dirty="0"/>
+                    </a:p>
+                  </a:txBody>
+                  <a:tcPr>
+                    <a:lnB w="12700" cap="flat" cmpd="sng" algn="ctr">
+                      <a:solidFill>
+                        <a:schemeClr val="tx1"/>
+                      </a:solidFill>
+                      <a:prstDash val="solid"/>
+                      <a:round/>
+                      <a:headEnd type="none" w="med" len="med"/>
+                      <a:tailEnd type="none" w="med" len="med"/>
+                    </a:lnB>
+                  </a:tcPr>
+                </a:tc>
+                <a:extLst>
+                  <a:ext uri="{0D108BD9-81ED-4DB2-BD59-A6C34878D82A}">
+                    <a16:rowId xmlns:a16="http://schemas.microsoft.com/office/drawing/2014/main" val="859155137"/>
+                  </a:ext>
+                </a:extLst>
+              </a:tr>
+              <a:tr h="1150775">
+                <a:tc>
+                  <a:txBody>
+                    <a:bodyPr/>
+                    <a:lstStyle/>
+                    <a:p>
+                      <a:r>
+                        <a:rPr lang="en-US" sz="1600" dirty="0"/>
+                        <a:t>v</a:t>
+                      </a:r>
+                      <a:r>
+                        <a:rPr lang="en-US" sz="1600"/>
+                        <a:t>ehs</a:t>
+                      </a:r>
+                      <a:r>
+                        <a:rPr lang="en-US" sz="1600" dirty="0"/>
+                        <a:t>[]</a:t>
+                      </a:r>
+                    </a:p>
+                    <a:p>
+                      <a:r>
+                        <a:rPr lang="en-US" sz="1600" dirty="0" err="1"/>
+                        <a:t>enteringVehs</a:t>
+                      </a:r>
+                      <a:r>
+                        <a:rPr lang="en-US" sz="1600" dirty="0"/>
+                        <a:t>[]</a:t>
+                      </a:r>
+                    </a:p>
+                    <a:p>
+                      <a:r>
+                        <a:rPr lang="en-US" sz="1600" dirty="0" err="1"/>
+                        <a:t>finishedVehs</a:t>
+                      </a:r>
+                      <a:r>
+                        <a:rPr lang="en-US" sz="1600" dirty="0"/>
+                        <a:t>[]</a:t>
+                      </a:r>
+                    </a:p>
+                    <a:p>
+                      <a:r>
+                        <a:rPr lang="en-US" sz="1600" dirty="0" err="1"/>
+                        <a:t>trafficLights</a:t>
+                      </a:r>
+                      <a:r>
+                        <a:rPr lang="en-US" sz="1600" dirty="0"/>
+                        <a:t>[]</a:t>
+                      </a:r>
+                    </a:p>
+                    <a:p>
+                      <a:r>
+                        <a:rPr lang="en-US" sz="1600" dirty="0"/>
+                        <a:t>time</a:t>
+                      </a:r>
+                    </a:p>
+                  </a:txBody>
+                  <a:tcPr>
+                    <a:lnL w="12700" cap="flat" cmpd="sng" algn="ctr">
+                      <a:solidFill>
+                        <a:schemeClr val="tx1"/>
+                      </a:solidFill>
+                      <a:prstDash val="solid"/>
+                      <a:round/>
+                      <a:headEnd type="none" w="med" len="med"/>
+                      <a:tailEnd type="none" w="med" len="med"/>
+                    </a:lnL>
+                    <a:lnR w="12700" cap="flat" cmpd="sng" algn="ctr">
+                      <a:solidFill>
+                        <a:schemeClr val="tx1"/>
+                      </a:solidFill>
+                      <a:prstDash val="solid"/>
+                      <a:round/>
+                      <a:headEnd type="none" w="med" len="med"/>
+                      <a:tailEnd type="none" w="med" len="med"/>
+                    </a:lnR>
+                    <a:lnT w="12700" cap="flat" cmpd="sng" algn="ctr">
+                      <a:solidFill>
+                        <a:schemeClr val="tx1"/>
+                      </a:solidFill>
+                      <a:prstDash val="solid"/>
+                      <a:round/>
+                      <a:headEnd type="none" w="med" len="med"/>
+                      <a:tailEnd type="none" w="med" len="med"/>
+                    </a:lnT>
+                    <a:lnB w="12700" cap="flat" cmpd="sng" algn="ctr">
+                      <a:solidFill>
+                        <a:schemeClr val="tx1"/>
+                      </a:solidFill>
+                      <a:prstDash val="solid"/>
+                      <a:round/>
+                      <a:headEnd type="none" w="med" len="med"/>
+                      <a:tailEnd type="none" w="med" len="med"/>
+                    </a:lnB>
+                  </a:tcPr>
+                </a:tc>
+                <a:extLst>
+                  <a:ext uri="{0D108BD9-81ED-4DB2-BD59-A6C34878D82A}">
+                    <a16:rowId xmlns:a16="http://schemas.microsoft.com/office/drawing/2014/main" val="2159804113"/>
+                  </a:ext>
+                </a:extLst>
+              </a:tr>
+              <a:tr h="1104000">
+                <a:tc>
+                  <a:txBody>
+                    <a:bodyPr/>
+                    <a:lstStyle/>
+                    <a:p>
+                      <a:pPr marL="0" marR="0" lvl="0" indent="0" algn="l" defTabSz="914400" rtl="0" eaLnBrk="1" fontAlgn="auto" latinLnBrk="0" hangingPunct="1">
+                        <a:lnSpc>
+                          <a:spcPct val="100000"/>
+                        </a:lnSpc>
+                        <a:spcBef>
+                          <a:spcPts val="0"/>
+                        </a:spcBef>
+                        <a:spcAft>
+                          <a:spcPts val="0"/>
+                        </a:spcAft>
+                        <a:buClrTx/>
+                        <a:buSzTx/>
+                        <a:buFontTx/>
+                        <a:buNone/>
+                        <a:tabLst/>
+                        <a:defRPr/>
+                      </a:pPr>
+                      <a:r>
+                        <a:rPr lang="en-US" sz="1600" dirty="0" err="1"/>
+                        <a:t>parseArguments</a:t>
+                      </a:r>
+                      <a:r>
+                        <a:rPr lang="en-US" sz="1600" dirty="0"/>
+                        <a:t>()</a:t>
+                      </a:r>
+                    </a:p>
+                    <a:p>
+                      <a:pPr marL="0" marR="0" lvl="0" indent="0" algn="l" defTabSz="914400" rtl="0" eaLnBrk="1" fontAlgn="auto" latinLnBrk="0" hangingPunct="1">
+                        <a:lnSpc>
+                          <a:spcPct val="100000"/>
+                        </a:lnSpc>
+                        <a:spcBef>
+                          <a:spcPts val="0"/>
+                        </a:spcBef>
+                        <a:spcAft>
+                          <a:spcPts val="0"/>
+                        </a:spcAft>
+                        <a:buClrTx/>
+                        <a:buSzTx/>
+                        <a:buFontTx/>
+                        <a:buNone/>
+                        <a:tabLst/>
+                        <a:defRPr/>
+                      </a:pPr>
+                      <a:r>
+                        <a:rPr lang="en-US" sz="1600" dirty="0" err="1"/>
+                        <a:t>initializeEventQueue</a:t>
+                      </a:r>
+                      <a:r>
+                        <a:rPr lang="en-US" sz="1600" dirty="0"/>
+                        <a:t>()</a:t>
+                      </a:r>
+                    </a:p>
+                    <a:p>
+                      <a:pPr marL="0" marR="0" lvl="0" indent="0" algn="l" defTabSz="914400" rtl="0" eaLnBrk="1" fontAlgn="auto" latinLnBrk="0" hangingPunct="1">
+                        <a:lnSpc>
+                          <a:spcPct val="100000"/>
+                        </a:lnSpc>
+                        <a:spcBef>
+                          <a:spcPts val="0"/>
+                        </a:spcBef>
+                        <a:spcAft>
+                          <a:spcPts val="0"/>
+                        </a:spcAft>
+                        <a:buClrTx/>
+                        <a:buSzTx/>
+                        <a:buFontTx/>
+                        <a:buNone/>
+                        <a:tabLst/>
+                        <a:defRPr/>
+                      </a:pPr>
+                      <a:r>
+                        <a:rPr lang="en-US" sz="1600" kern="1200" dirty="0">
+                          <a:solidFill>
+                            <a:schemeClr val="tx1"/>
+                          </a:solidFill>
+                          <a:effectLst/>
+                          <a:latin typeface="+mn-lt"/>
+                          <a:ea typeface="+mn-ea"/>
+                          <a:cs typeface="+mn-cs"/>
+                        </a:rPr>
+                        <a:t>run()</a:t>
+                      </a:r>
+                    </a:p>
+                  </a:txBody>
+                  <a:tcPr>
+                    <a:lnT w="12700" cap="flat" cmpd="sng" algn="ctr">
+                      <a:solidFill>
+                        <a:schemeClr val="tx1"/>
+                      </a:solidFill>
+                      <a:prstDash val="solid"/>
+                      <a:round/>
+                      <a:headEnd type="none" w="med" len="med"/>
+                      <a:tailEnd type="none" w="med" len="med"/>
+                    </a:lnT>
+                  </a:tcPr>
+                </a:tc>
+                <a:extLst>
+                  <a:ext uri="{0D108BD9-81ED-4DB2-BD59-A6C34878D82A}">
+                    <a16:rowId xmlns:a16="http://schemas.microsoft.com/office/drawing/2014/main" val="2650514324"/>
+                  </a:ext>
+                </a:extLst>
+              </a:tr>
+            </a:tbl>
+          </a:graphicData>
+        </a:graphic>
+      </p:graphicFrame>
+      <p:cxnSp>
+        <p:nvCxnSpPr>
+          <p:cNvPr id="8" name="Connector: Elbow 7">
+            <a:extLst>
+              <a:ext uri="{FF2B5EF4-FFF2-40B4-BE49-F238E27FC236}">
+                <a16:creationId xmlns:a16="http://schemas.microsoft.com/office/drawing/2014/main" id="{6FEBA449-C369-4EF9-B86C-77323A5E3479}"/>
+              </a:ext>
+            </a:extLst>
+          </p:cNvPr>
+          <p:cNvCxnSpPr>
+            <a:cxnSpLocks/>
+            <a:stCxn id="4" idx="3"/>
+            <a:endCxn id="7" idx="1"/>
+          </p:cNvCxnSpPr>
+          <p:nvPr/>
+        </p:nvCxnSpPr>
+        <p:spPr>
+          <a:xfrm flipV="1">
+            <a:off x="4441824" y="3138075"/>
+            <a:ext cx="649288" cy="2074232"/>
+          </a:xfrm>
+          <a:prstGeom prst="bentConnector3">
+            <a:avLst>
+              <a:gd name="adj1" fmla="val 50000"/>
+            </a:avLst>
+          </a:prstGeom>
+          <a:ln w="12700">
+            <a:tailEnd type="triangle"/>
+          </a:ln>
+        </p:spPr>
+        <p:style>
+          <a:lnRef idx="1">
+            <a:schemeClr val="dk1"/>
+          </a:lnRef>
+          <a:fillRef idx="0">
+            <a:schemeClr val="dk1"/>
+          </a:fillRef>
+          <a:effectRef idx="0">
+            <a:schemeClr val="dk1"/>
+          </a:effectRef>
+          <a:fontRef idx="minor">
+            <a:schemeClr val="tx1"/>
+          </a:fontRef>
+        </p:style>
+      </p:cxnSp>
+      <p:cxnSp>
+        <p:nvCxnSpPr>
+          <p:cNvPr id="9" name="Connector: Elbow 8">
+            <a:extLst>
+              <a:ext uri="{FF2B5EF4-FFF2-40B4-BE49-F238E27FC236}">
+                <a16:creationId xmlns:a16="http://schemas.microsoft.com/office/drawing/2014/main" id="{08016FEF-D258-4679-B4DA-C32325D5360E}"/>
+              </a:ext>
+            </a:extLst>
+          </p:cNvPr>
+          <p:cNvCxnSpPr>
+            <a:cxnSpLocks/>
+            <a:stCxn id="5" idx="3"/>
+          </p:cNvCxnSpPr>
+          <p:nvPr/>
+        </p:nvCxnSpPr>
+        <p:spPr>
+          <a:xfrm flipV="1">
+            <a:off x="2308064" y="4764632"/>
+            <a:ext cx="593727" cy="447675"/>
+          </a:xfrm>
+          <a:prstGeom prst="bentConnector3">
+            <a:avLst/>
+          </a:prstGeom>
+          <a:ln w="12700">
+            <a:tailEnd type="triangle"/>
+          </a:ln>
+        </p:spPr>
+        <p:style>
+          <a:lnRef idx="1">
+            <a:schemeClr val="dk1"/>
+          </a:lnRef>
+          <a:fillRef idx="0">
+            <a:schemeClr val="dk1"/>
+          </a:fillRef>
+          <a:effectRef idx="0">
+            <a:schemeClr val="dk1"/>
+          </a:effectRef>
+          <a:fontRef idx="minor">
+            <a:schemeClr val="tx1"/>
+          </a:fontRef>
+        </p:style>
+      </p:cxnSp>
+      <p:cxnSp>
+        <p:nvCxnSpPr>
+          <p:cNvPr id="10" name="Connector: Elbow 9">
+            <a:extLst>
+              <a:ext uri="{FF2B5EF4-FFF2-40B4-BE49-F238E27FC236}">
+                <a16:creationId xmlns:a16="http://schemas.microsoft.com/office/drawing/2014/main" id="{3A1D8578-B332-4D69-AE45-F4B7D33953A9}"/>
+              </a:ext>
+            </a:extLst>
+          </p:cNvPr>
+          <p:cNvCxnSpPr>
+            <a:cxnSpLocks/>
+            <a:stCxn id="2" idx="3"/>
+          </p:cNvCxnSpPr>
+          <p:nvPr/>
+        </p:nvCxnSpPr>
+        <p:spPr>
+          <a:xfrm>
+            <a:off x="4441824" y="2072640"/>
+            <a:ext cx="649288" cy="272728"/>
+          </a:xfrm>
+          <a:prstGeom prst="bentConnector3">
+            <a:avLst/>
+          </a:prstGeom>
+          <a:ln w="12700">
+            <a:tailEnd type="triangle"/>
+          </a:ln>
+        </p:spPr>
+        <p:style>
+          <a:lnRef idx="1">
+            <a:schemeClr val="dk1"/>
+          </a:lnRef>
+          <a:fillRef idx="0">
+            <a:schemeClr val="dk1"/>
+          </a:fillRef>
+          <a:effectRef idx="0">
+            <a:schemeClr val="dk1"/>
+          </a:effectRef>
+          <a:fontRef idx="minor">
+            <a:schemeClr val="tx1"/>
+          </a:fontRef>
+        </p:style>
+      </p:cxnSp>
+      <p:graphicFrame>
+        <p:nvGraphicFramePr>
+          <p:cNvPr id="18" name="Table 17">
+            <a:extLst>
+              <a:ext uri="{FF2B5EF4-FFF2-40B4-BE49-F238E27FC236}">
+                <a16:creationId xmlns:a16="http://schemas.microsoft.com/office/drawing/2014/main" id="{897E02C7-3F27-4C61-A5E8-08967358EC38}"/>
+              </a:ext>
+            </a:extLst>
+          </p:cNvPr>
+          <p:cNvGraphicFramePr>
+            <a:graphicFrameLocks noGrp="1"/>
+          </p:cNvGraphicFramePr>
+          <p:nvPr>
+            <p:extLst>
+              <p:ext uri="{D42A27DB-BD31-4B8C-83A1-F6EECF244321}">
+                <p14:modId xmlns:p14="http://schemas.microsoft.com/office/powerpoint/2010/main" val="322106430"/>
+              </p:ext>
+            </p:extLst>
+          </p:nvPr>
+        </p:nvGraphicFramePr>
+        <p:xfrm>
+          <a:off x="8214886" y="3512593"/>
+          <a:ext cx="1873908" cy="2690314"/>
+        </p:xfrm>
+        <a:graphic>
+          <a:graphicData uri="http://schemas.openxmlformats.org/drawingml/2006/table">
+            <a:tbl>
+              <a:tblPr firstRow="1" bandRow="1">
+                <a:tableStyleId>{5940675A-B579-460E-94D1-54222C63F5DA}</a:tableStyleId>
+              </a:tblPr>
+              <a:tblGrid>
+                <a:gridCol w="1873908">
+                  <a:extLst>
+                    <a:ext uri="{9D8B030D-6E8A-4147-A177-3AD203B41FA5}">
+                      <a16:colId xmlns:a16="http://schemas.microsoft.com/office/drawing/2014/main" val="2682206605"/>
+                    </a:ext>
+                  </a:extLst>
+                </a:gridCol>
+              </a:tblGrid>
+              <a:tr h="301061">
+                <a:tc>
+                  <a:txBody>
+                    <a:bodyPr/>
+                    <a:lstStyle/>
+                    <a:p>
+                      <a:r>
+                        <a:rPr lang="en-US" sz="1600" b="1" u="sng" dirty="0" err="1"/>
+                        <a:t>EventHandler</a:t>
+                      </a:r>
+                      <a:endParaRPr lang="en-US" sz="1600" dirty="0"/>
+                    </a:p>
+                  </a:txBody>
+                  <a:tcPr>
+                    <a:lnB w="12700" cap="flat" cmpd="sng" algn="ctr">
+                      <a:solidFill>
+                        <a:schemeClr val="tx1"/>
+                      </a:solidFill>
+                      <a:prstDash val="solid"/>
+                      <a:round/>
+                      <a:headEnd type="none" w="med" len="med"/>
+                      <a:tailEnd type="none" w="med" len="med"/>
+                    </a:lnB>
+                  </a:tcPr>
+                </a:tc>
+                <a:extLst>
+                  <a:ext uri="{0D108BD9-81ED-4DB2-BD59-A6C34878D82A}">
+                    <a16:rowId xmlns:a16="http://schemas.microsoft.com/office/drawing/2014/main" val="3155631160"/>
+                  </a:ext>
+                </a:extLst>
+              </a:tr>
+              <a:tr h="1176874">
+                <a:tc>
+                  <a:txBody>
+                    <a:bodyPr/>
+                    <a:lstStyle/>
+                    <a:p>
+                      <a:r>
+                        <a:rPr lang="en-US" sz="1600" dirty="0" err="1"/>
+                        <a:t>trafficLights</a:t>
+                      </a:r>
+                      <a:r>
+                        <a:rPr lang="en-US" sz="1600" dirty="0"/>
+                        <a:t>[]</a:t>
+                      </a:r>
+                    </a:p>
+                    <a:p>
+                      <a:r>
+                        <a:rPr lang="en-US" sz="1600" dirty="0" err="1"/>
+                        <a:t>eventQueue</a:t>
+                      </a:r>
+                      <a:endParaRPr lang="en-US" sz="1600" dirty="0"/>
+                    </a:p>
+                    <a:p>
+                      <a:r>
+                        <a:rPr lang="en-US" sz="1600" dirty="0" err="1"/>
+                        <a:t>waitingVehEvents</a:t>
+                      </a:r>
+                      <a:endParaRPr lang="en-US" sz="1600" dirty="0"/>
+                    </a:p>
+                    <a:p>
+                      <a:r>
+                        <a:rPr lang="en-US" sz="1600" dirty="0" err="1"/>
+                        <a:t>enteringVehs</a:t>
+                      </a:r>
+                      <a:endParaRPr lang="en-US" sz="1600" dirty="0"/>
+                    </a:p>
+                    <a:p>
+                      <a:r>
+                        <a:rPr lang="en-US" sz="1600" dirty="0" err="1"/>
+                        <a:t>finishedVehs</a:t>
+                      </a:r>
+                      <a:endParaRPr lang="en-US" sz="1600" dirty="0"/>
+                    </a:p>
+                  </a:txBody>
+                  <a:tcPr>
+                    <a:lnL w="12700" cap="flat" cmpd="sng" algn="ctr">
+                      <a:solidFill>
+                        <a:schemeClr val="tx1"/>
+                      </a:solidFill>
+                      <a:prstDash val="solid"/>
+                      <a:round/>
+                      <a:headEnd type="none" w="med" len="med"/>
+                      <a:tailEnd type="none" w="med" len="med"/>
+                    </a:lnL>
+                    <a:lnR w="12700" cap="flat" cmpd="sng" algn="ctr">
+                      <a:solidFill>
+                        <a:schemeClr val="tx1"/>
+                      </a:solidFill>
+                      <a:prstDash val="solid"/>
+                      <a:round/>
+                      <a:headEnd type="none" w="med" len="med"/>
+                      <a:tailEnd type="none" w="med" len="med"/>
+                    </a:lnR>
+                    <a:lnT w="12700" cap="flat" cmpd="sng" algn="ctr">
+                      <a:solidFill>
+                        <a:schemeClr val="tx1"/>
+                      </a:solidFill>
+                      <a:prstDash val="solid"/>
+                      <a:round/>
+                      <a:headEnd type="none" w="med" len="med"/>
+                      <a:tailEnd type="none" w="med" len="med"/>
+                    </a:lnT>
+                    <a:lnB w="12700" cap="flat" cmpd="sng" algn="ctr">
+                      <a:solidFill>
+                        <a:schemeClr val="tx1"/>
+                      </a:solidFill>
+                      <a:prstDash val="solid"/>
+                      <a:round/>
+                      <a:headEnd type="none" w="med" len="med"/>
+                      <a:tailEnd type="none" w="med" len="med"/>
+                    </a:lnB>
+                  </a:tcPr>
+                </a:tc>
+                <a:extLst>
+                  <a:ext uri="{0D108BD9-81ED-4DB2-BD59-A6C34878D82A}">
+                    <a16:rowId xmlns:a16="http://schemas.microsoft.com/office/drawing/2014/main" val="3083001083"/>
+                  </a:ext>
+                </a:extLst>
+              </a:tr>
+              <a:tr h="1044394">
+                <a:tc>
+                  <a:txBody>
+                    <a:bodyPr/>
+                    <a:lstStyle/>
+                    <a:p>
+                      <a:pPr marL="0" marR="0" lvl="0" indent="0" algn="l" defTabSz="914400" rtl="0" eaLnBrk="1" fontAlgn="auto" latinLnBrk="0" hangingPunct="1">
+                        <a:lnSpc>
+                          <a:spcPct val="100000"/>
+                        </a:lnSpc>
+                        <a:spcBef>
+                          <a:spcPts val="0"/>
+                        </a:spcBef>
+                        <a:spcAft>
+                          <a:spcPts val="0"/>
+                        </a:spcAft>
+                        <a:buClrTx/>
+                        <a:buSzTx/>
+                        <a:buFontTx/>
+                        <a:buNone/>
+                        <a:tabLst/>
+                        <a:defRPr/>
+                      </a:pPr>
+                      <a:r>
+                        <a:rPr lang="en-US" sz="1600" kern="1200" dirty="0" err="1">
+                          <a:solidFill>
+                            <a:schemeClr val="tx1"/>
+                          </a:solidFill>
+                          <a:effectLst/>
+                          <a:latin typeface="+mn-lt"/>
+                          <a:ea typeface="+mn-ea"/>
+                          <a:cs typeface="+mn-cs"/>
+                        </a:rPr>
+                        <a:t>handleEvent</a:t>
+                      </a:r>
+                      <a:r>
+                        <a:rPr lang="en-US" sz="1600" kern="1200" dirty="0">
+                          <a:solidFill>
+                            <a:schemeClr val="tx1"/>
+                          </a:solidFill>
+                          <a:effectLst/>
+                          <a:latin typeface="+mn-lt"/>
+                          <a:ea typeface="+mn-ea"/>
+                          <a:cs typeface="+mn-cs"/>
+                        </a:rPr>
+                        <a:t>()</a:t>
+                      </a:r>
+                    </a:p>
+                    <a:p>
+                      <a:pPr marL="0" marR="0" lvl="0" indent="0" algn="l" defTabSz="914400" rtl="0" eaLnBrk="1" fontAlgn="auto" latinLnBrk="0" hangingPunct="1">
+                        <a:lnSpc>
+                          <a:spcPct val="100000"/>
+                        </a:lnSpc>
+                        <a:spcBef>
+                          <a:spcPts val="0"/>
+                        </a:spcBef>
+                        <a:spcAft>
+                          <a:spcPts val="0"/>
+                        </a:spcAft>
+                        <a:buClrTx/>
+                        <a:buSzTx/>
+                        <a:buFontTx/>
+                        <a:buNone/>
+                        <a:tabLst/>
+                        <a:defRPr/>
+                      </a:pPr>
+                      <a:r>
+                        <a:rPr lang="en-US" sz="1600" kern="1200" dirty="0" err="1">
+                          <a:solidFill>
+                            <a:schemeClr val="tx1"/>
+                          </a:solidFill>
+                          <a:effectLst/>
+                          <a:latin typeface="+mn-lt"/>
+                          <a:ea typeface="+mn-ea"/>
+                          <a:cs typeface="+mn-cs"/>
+                        </a:rPr>
+                        <a:t>waitUntil</a:t>
+                      </a:r>
+                      <a:r>
+                        <a:rPr lang="en-US" sz="1600" kern="1200" dirty="0">
+                          <a:solidFill>
+                            <a:schemeClr val="tx1"/>
+                          </a:solidFill>
+                          <a:effectLst/>
+                          <a:latin typeface="+mn-lt"/>
+                          <a:ea typeface="+mn-ea"/>
+                          <a:cs typeface="+mn-cs"/>
+                        </a:rPr>
+                        <a:t>()</a:t>
+                      </a:r>
+                    </a:p>
+                    <a:p>
+                      <a:pPr marL="0" marR="0" lvl="0" indent="0" algn="l" defTabSz="914400" rtl="0" eaLnBrk="1" fontAlgn="auto" latinLnBrk="0" hangingPunct="1">
+                        <a:lnSpc>
+                          <a:spcPct val="100000"/>
+                        </a:lnSpc>
+                        <a:spcBef>
+                          <a:spcPts val="0"/>
+                        </a:spcBef>
+                        <a:spcAft>
+                          <a:spcPts val="0"/>
+                        </a:spcAft>
+                        <a:buClrTx/>
+                        <a:buSzTx/>
+                        <a:buFontTx/>
+                        <a:buNone/>
+                        <a:tabLst/>
+                        <a:defRPr/>
+                      </a:pPr>
+                      <a:r>
+                        <a:rPr lang="en-US" sz="1600" dirty="0" err="1"/>
+                        <a:t>checkWait</a:t>
+                      </a:r>
+                      <a:r>
+                        <a:rPr lang="en-US" sz="1600" dirty="0"/>
+                        <a:t>()</a:t>
+                      </a:r>
+                    </a:p>
+                  </a:txBody>
+                  <a:tcPr>
+                    <a:lnT w="12700" cap="flat" cmpd="sng" algn="ctr">
+                      <a:solidFill>
+                        <a:schemeClr val="tx1"/>
+                      </a:solidFill>
+                      <a:prstDash val="solid"/>
+                      <a:round/>
+                      <a:headEnd type="none" w="med" len="med"/>
+                      <a:tailEnd type="none" w="med" len="med"/>
+                    </a:lnT>
+                  </a:tcPr>
+                </a:tc>
+                <a:extLst>
+                  <a:ext uri="{0D108BD9-81ED-4DB2-BD59-A6C34878D82A}">
+                    <a16:rowId xmlns:a16="http://schemas.microsoft.com/office/drawing/2014/main" val="829568827"/>
+                  </a:ext>
+                </a:extLst>
+              </a:tr>
+            </a:tbl>
+          </a:graphicData>
+        </a:graphic>
+      </p:graphicFrame>
+      <p:cxnSp>
+        <p:nvCxnSpPr>
+          <p:cNvPr id="19" name="Connector: Elbow 18">
+            <a:extLst>
+              <a:ext uri="{FF2B5EF4-FFF2-40B4-BE49-F238E27FC236}">
+                <a16:creationId xmlns:a16="http://schemas.microsoft.com/office/drawing/2014/main" id="{FD448A83-F4A9-464A-9C66-9FC73AC17FF3}"/>
+              </a:ext>
+            </a:extLst>
+          </p:cNvPr>
+          <p:cNvCxnSpPr>
+            <a:cxnSpLocks/>
+            <a:stCxn id="18" idx="1"/>
+            <a:endCxn id="7" idx="3"/>
+          </p:cNvCxnSpPr>
+          <p:nvPr/>
+        </p:nvCxnSpPr>
+        <p:spPr>
+          <a:xfrm rot="10800000">
+            <a:off x="7130642" y="3138076"/>
+            <a:ext cx="1084244" cy="1719675"/>
+          </a:xfrm>
+          <a:prstGeom prst="bentConnector3">
+            <a:avLst>
+              <a:gd name="adj1" fmla="val 50000"/>
+            </a:avLst>
+          </a:prstGeom>
+          <a:ln w="12700">
+            <a:tailEnd type="triangle"/>
+          </a:ln>
+        </p:spPr>
+        <p:style>
+          <a:lnRef idx="1">
+            <a:schemeClr val="dk1"/>
+          </a:lnRef>
+          <a:fillRef idx="0">
+            <a:schemeClr val="dk1"/>
+          </a:fillRef>
+          <a:effectRef idx="0">
+            <a:schemeClr val="dk1"/>
+          </a:effectRef>
+          <a:fontRef idx="minor">
+            <a:schemeClr val="tx1"/>
+          </a:fontRef>
+        </p:style>
+      </p:cxnSp>
+    </p:spTree>
+    <p:extLst>
+      <p:ext uri="{BB962C8B-B14F-4D97-AF65-F5344CB8AC3E}">
+        <p14:creationId xmlns:p14="http://schemas.microsoft.com/office/powerpoint/2010/main" val="21163813"/>
+      </p:ext>
+    </p:extLst>
+  </p:cSld>
+  <p:clrMapOvr>
+    <a:masterClrMapping/>
+  </p:clrMapOvr>
+</p:sld>
+</file>
+
 <file path=ppt/theme/theme1.xml><?xml version="1.0" encoding="utf-8"?>
 <a:theme xmlns:a="http://schemas.openxmlformats.org/drawingml/2006/main" name="Office Theme">
   <a:themeElements>
